--- a/Book/2.pptx
+++ b/Book/2.pptx
@@ -20,12 +20,10 @@
     <p:sldId id="276" r:id="rId14"/>
     <p:sldId id="277" r:id="rId15"/>
     <p:sldId id="278" r:id="rId16"/>
-    <p:sldId id="281" r:id="rId17"/>
-    <p:sldId id="282" r:id="rId18"/>
-    <p:sldId id="283" r:id="rId19"/>
-    <p:sldId id="284" r:id="rId20"/>
-    <p:sldId id="279" r:id="rId21"/>
-    <p:sldId id="280" r:id="rId22"/>
+    <p:sldId id="279" r:id="rId17"/>
+    <p:sldId id="280" r:id="rId18"/>
+    <p:sldId id="281" r:id="rId19"/>
+    <p:sldId id="282" r:id="rId20"/>
   </p:sldIdLst>
   <p:sldSz cx="12192000" cy="6858000"/>
   <p:notesSz cx="6858000" cy="9144000"/>
@@ -279,7 +277,7 @@
           <a:p>
             <a:fld id="{7CD13C1E-5C95-41F8-9BA7-3341236A6BF5}" type="datetimeFigureOut">
               <a:rPr lang="ko-KR" altLang="en-US" smtClean="0"/>
-              <a:t>2025-12-08</a:t>
+              <a:t>2025-12-11</a:t>
             </a:fld>
             <a:endParaRPr lang="ko-KR" altLang="en-US"/>
           </a:p>
@@ -477,7 +475,7 @@
           <a:p>
             <a:fld id="{7CD13C1E-5C95-41F8-9BA7-3341236A6BF5}" type="datetimeFigureOut">
               <a:rPr lang="ko-KR" altLang="en-US" smtClean="0"/>
-              <a:t>2025-12-08</a:t>
+              <a:t>2025-12-11</a:t>
             </a:fld>
             <a:endParaRPr lang="ko-KR" altLang="en-US"/>
           </a:p>
@@ -685,7 +683,7 @@
           <a:p>
             <a:fld id="{7CD13C1E-5C95-41F8-9BA7-3341236A6BF5}" type="datetimeFigureOut">
               <a:rPr lang="ko-KR" altLang="en-US" smtClean="0"/>
-              <a:t>2025-12-08</a:t>
+              <a:t>2025-12-11</a:t>
             </a:fld>
             <a:endParaRPr lang="ko-KR" altLang="en-US"/>
           </a:p>
@@ -883,7 +881,7 @@
           <a:p>
             <a:fld id="{7CD13C1E-5C95-41F8-9BA7-3341236A6BF5}" type="datetimeFigureOut">
               <a:rPr lang="ko-KR" altLang="en-US" smtClean="0"/>
-              <a:t>2025-12-08</a:t>
+              <a:t>2025-12-11</a:t>
             </a:fld>
             <a:endParaRPr lang="ko-KR" altLang="en-US"/>
           </a:p>
@@ -1158,7 +1156,7 @@
           <a:p>
             <a:fld id="{7CD13C1E-5C95-41F8-9BA7-3341236A6BF5}" type="datetimeFigureOut">
               <a:rPr lang="ko-KR" altLang="en-US" smtClean="0"/>
-              <a:t>2025-12-08</a:t>
+              <a:t>2025-12-11</a:t>
             </a:fld>
             <a:endParaRPr lang="ko-KR" altLang="en-US"/>
           </a:p>
@@ -1423,7 +1421,7 @@
           <a:p>
             <a:fld id="{7CD13C1E-5C95-41F8-9BA7-3341236A6BF5}" type="datetimeFigureOut">
               <a:rPr lang="ko-KR" altLang="en-US" smtClean="0"/>
-              <a:t>2025-12-08</a:t>
+              <a:t>2025-12-11</a:t>
             </a:fld>
             <a:endParaRPr lang="ko-KR" altLang="en-US"/>
           </a:p>
@@ -1835,7 +1833,7 @@
           <a:p>
             <a:fld id="{7CD13C1E-5C95-41F8-9BA7-3341236A6BF5}" type="datetimeFigureOut">
               <a:rPr lang="ko-KR" altLang="en-US" smtClean="0"/>
-              <a:t>2025-12-08</a:t>
+              <a:t>2025-12-11</a:t>
             </a:fld>
             <a:endParaRPr lang="ko-KR" altLang="en-US"/>
           </a:p>
@@ -1976,7 +1974,7 @@
           <a:p>
             <a:fld id="{7CD13C1E-5C95-41F8-9BA7-3341236A6BF5}" type="datetimeFigureOut">
               <a:rPr lang="ko-KR" altLang="en-US" smtClean="0"/>
-              <a:t>2025-12-08</a:t>
+              <a:t>2025-12-11</a:t>
             </a:fld>
             <a:endParaRPr lang="ko-KR" altLang="en-US"/>
           </a:p>
@@ -2089,7 +2087,7 @@
           <a:p>
             <a:fld id="{7CD13C1E-5C95-41F8-9BA7-3341236A6BF5}" type="datetimeFigureOut">
               <a:rPr lang="ko-KR" altLang="en-US" smtClean="0"/>
-              <a:t>2025-12-08</a:t>
+              <a:t>2025-12-11</a:t>
             </a:fld>
             <a:endParaRPr lang="ko-KR" altLang="en-US"/>
           </a:p>
@@ -2400,7 +2398,7 @@
           <a:p>
             <a:fld id="{7CD13C1E-5C95-41F8-9BA7-3341236A6BF5}" type="datetimeFigureOut">
               <a:rPr lang="ko-KR" altLang="en-US" smtClean="0"/>
-              <a:t>2025-12-08</a:t>
+              <a:t>2025-12-11</a:t>
             </a:fld>
             <a:endParaRPr lang="ko-KR" altLang="en-US"/>
           </a:p>
@@ -2688,7 +2686,7 @@
           <a:p>
             <a:fld id="{7CD13C1E-5C95-41F8-9BA7-3341236A6BF5}" type="datetimeFigureOut">
               <a:rPr lang="ko-KR" altLang="en-US" smtClean="0"/>
-              <a:t>2025-12-08</a:t>
+              <a:t>2025-12-11</a:t>
             </a:fld>
             <a:endParaRPr lang="ko-KR" altLang="en-US"/>
           </a:p>
@@ -2929,7 +2927,7 @@
           <a:p>
             <a:fld id="{7CD13C1E-5C95-41F8-9BA7-3341236A6BF5}" type="datetimeFigureOut">
               <a:rPr lang="ko-KR" altLang="en-US" smtClean="0"/>
-              <a:t>2025-12-08</a:t>
+              <a:t>2025-12-11</a:t>
             </a:fld>
             <a:endParaRPr lang="ko-KR" altLang="en-US"/>
           </a:p>
@@ -3784,10 +3782,70 @@
   <p:cSld>
     <p:spTree>
       <p:nvGrpSpPr>
+        <p:cNvPr id="1" name=""/>
+        <p:cNvGrpSpPr/>
+        <p:nvPr/>
+      </p:nvGrpSpPr>
+      <p:grpSpPr>
+        <a:xfrm>
+          <a:off x="0" y="0"/>
+          <a:ext cx="0" cy="0"/>
+          <a:chOff x="0" y="0"/>
+          <a:chExt cx="0" cy="0"/>
+        </a:xfrm>
+      </p:grpSpPr>
+      <p:pic>
+        <p:nvPicPr>
+          <p:cNvPr id="6" name="그림 5">
+            <a:extLst>
+              <a:ext uri="{FF2B5EF4-FFF2-40B4-BE49-F238E27FC236}">
+                <a16:creationId xmlns:a16="http://schemas.microsoft.com/office/drawing/2014/main" id="{016F520F-5A7E-0780-7865-27825558CDA5}"/>
+              </a:ext>
+            </a:extLst>
+          </p:cNvPr>
+          <p:cNvPicPr>
+            <a:picLocks noChangeAspect="1"/>
+          </p:cNvPicPr>
+          <p:nvPr/>
+        </p:nvPicPr>
+        <p:blipFill>
+          <a:blip r:embed="rId2"/>
+          <a:stretch>
+            <a:fillRect/>
+          </a:stretch>
+        </p:blipFill>
+        <p:spPr>
+          <a:xfrm>
+            <a:off x="1385230" y="2200103"/>
+            <a:ext cx="9421540" cy="2457793"/>
+          </a:xfrm>
+          <a:prstGeom prst="rect">
+            <a:avLst/>
+          </a:prstGeom>
+        </p:spPr>
+      </p:pic>
+    </p:spTree>
+    <p:extLst>
+      <p:ext uri="{BB962C8B-B14F-4D97-AF65-F5344CB8AC3E}">
+        <p14:creationId xmlns:p14="http://schemas.microsoft.com/office/powerpoint/2010/main" val="4238537537"/>
+      </p:ext>
+    </p:extLst>
+  </p:cSld>
+  <p:clrMapOvr>
+    <a:masterClrMapping/>
+  </p:clrMapOvr>
+</p:sld>
+</file>
+
+<file path=ppt/slides/slide16.xml><?xml version="1.0" encoding="utf-8"?>
+<p:sld xmlns:a="http://schemas.openxmlformats.org/drawingml/2006/main" xmlns:r="http://schemas.openxmlformats.org/officeDocument/2006/relationships" xmlns:p="http://schemas.openxmlformats.org/presentationml/2006/main">
+  <p:cSld>
+    <p:spTree>
+      <p:nvGrpSpPr>
         <p:cNvPr id="1" name="">
           <a:extLst>
             <a:ext uri="{FF2B5EF4-FFF2-40B4-BE49-F238E27FC236}">
-              <a16:creationId xmlns:a16="http://schemas.microsoft.com/office/drawing/2014/main" id="{A539C51F-EFDE-BDB5-6DE1-59C2863901FE}"/>
+              <a16:creationId xmlns:a16="http://schemas.microsoft.com/office/drawing/2014/main" id="{24E00F29-B3D4-E1D2-D78C-C04728811AA6}"/>
             </a:ext>
           </a:extLst>
         </p:cNvPr>
@@ -3807,7 +3865,7 @@
           <p:cNvPr id="2" name="그림 1">
             <a:extLst>
               <a:ext uri="{FF2B5EF4-FFF2-40B4-BE49-F238E27FC236}">
-                <a16:creationId xmlns:a16="http://schemas.microsoft.com/office/drawing/2014/main" id="{E791B582-446C-A691-5540-8C4D86A143FA}"/>
+                <a16:creationId xmlns:a16="http://schemas.microsoft.com/office/drawing/2014/main" id="{CBB41DDB-A03C-B2C3-7785-22DC2679A5DD}"/>
               </a:ext>
             </a:extLst>
           </p:cNvPr>
@@ -3824,8 +3882,8 @@
         </p:blipFill>
         <p:spPr>
           <a:xfrm>
-            <a:off x="3700128" y="2109603"/>
-            <a:ext cx="4791744" cy="2638793"/>
+            <a:off x="1437625" y="880707"/>
+            <a:ext cx="9316750" cy="5096586"/>
           </a:xfrm>
           <a:prstGeom prst="rect">
             <a:avLst/>
@@ -3835,7 +3893,7 @@
     </p:spTree>
     <p:extLst>
       <p:ext uri="{BB962C8B-B14F-4D97-AF65-F5344CB8AC3E}">
-        <p14:creationId xmlns:p14="http://schemas.microsoft.com/office/powerpoint/2010/main" val="3389820863"/>
+        <p14:creationId xmlns:p14="http://schemas.microsoft.com/office/powerpoint/2010/main" val="2535854757"/>
       </p:ext>
     </p:extLst>
   </p:cSld>
@@ -3845,7 +3903,7 @@
 </p:sld>
 </file>
 
-<file path=ppt/slides/slide16.xml><?xml version="1.0" encoding="utf-8"?>
+<file path=ppt/slides/slide17.xml><?xml version="1.0" encoding="utf-8"?>
 <p:sld xmlns:a="http://schemas.openxmlformats.org/drawingml/2006/main" xmlns:r="http://schemas.openxmlformats.org/officeDocument/2006/relationships" xmlns:p="http://schemas.openxmlformats.org/presentationml/2006/main">
   <p:cSld>
     <p:spTree>
@@ -3853,7 +3911,7 @@
         <p:cNvPr id="1" name="">
           <a:extLst>
             <a:ext uri="{FF2B5EF4-FFF2-40B4-BE49-F238E27FC236}">
-              <a16:creationId xmlns:a16="http://schemas.microsoft.com/office/drawing/2014/main" id="{CE0F1D95-EDD8-7E5C-6149-52AD9AA5E34F}"/>
+              <a16:creationId xmlns:a16="http://schemas.microsoft.com/office/drawing/2014/main" id="{F4C348A6-2060-60BB-978C-D2D951AA442B}"/>
             </a:ext>
           </a:extLst>
         </p:cNvPr>
@@ -3873,7 +3931,7 @@
           <p:cNvPr id="2" name="그림 1">
             <a:extLst>
               <a:ext uri="{FF2B5EF4-FFF2-40B4-BE49-F238E27FC236}">
-                <a16:creationId xmlns:a16="http://schemas.microsoft.com/office/drawing/2014/main" id="{9CD99569-B083-B3C5-175B-E782253A876E}"/>
+                <a16:creationId xmlns:a16="http://schemas.microsoft.com/office/drawing/2014/main" id="{EA25139D-1D4F-112C-4CE2-E25B269A3771}"/>
               </a:ext>
             </a:extLst>
           </p:cNvPr>
@@ -3890,8 +3948,38 @@
         </p:blipFill>
         <p:spPr>
           <a:xfrm>
-            <a:off x="4014497" y="2752630"/>
-            <a:ext cx="4163006" cy="1352739"/>
+            <a:off x="1653997" y="418819"/>
+            <a:ext cx="9459645" cy="4020111"/>
+          </a:xfrm>
+          <a:prstGeom prst="rect">
+            <a:avLst/>
+          </a:prstGeom>
+        </p:spPr>
+      </p:pic>
+      <p:pic>
+        <p:nvPicPr>
+          <p:cNvPr id="3" name="그림 2">
+            <a:extLst>
+              <a:ext uri="{FF2B5EF4-FFF2-40B4-BE49-F238E27FC236}">
+                <a16:creationId xmlns:a16="http://schemas.microsoft.com/office/drawing/2014/main" id="{1F206E53-3C1E-779B-2746-4E84C3CFA67E}"/>
+              </a:ext>
+            </a:extLst>
+          </p:cNvPr>
+          <p:cNvPicPr>
+            <a:picLocks noChangeAspect="1"/>
+          </p:cNvPicPr>
+          <p:nvPr/>
+        </p:nvPicPr>
+        <p:blipFill>
+          <a:blip r:embed="rId3"/>
+          <a:stretch>
+            <a:fillRect/>
+          </a:stretch>
+        </p:blipFill>
+        <p:spPr>
+          <a:xfrm>
+            <a:off x="7153276" y="3560569"/>
+            <a:ext cx="3384728" cy="3188141"/>
           </a:xfrm>
           <a:prstGeom prst="rect">
             <a:avLst/>
@@ -3901,7 +3989,7 @@
     </p:spTree>
     <p:extLst>
       <p:ext uri="{BB962C8B-B14F-4D97-AF65-F5344CB8AC3E}">
-        <p14:creationId xmlns:p14="http://schemas.microsoft.com/office/powerpoint/2010/main" val="586870195"/>
+        <p14:creationId xmlns:p14="http://schemas.microsoft.com/office/powerpoint/2010/main" val="51179603"/>
       </p:ext>
     </p:extLst>
   </p:cSld>
@@ -3911,7 +3999,7 @@
 </p:sld>
 </file>
 
-<file path=ppt/slides/slide17.xml><?xml version="1.0" encoding="utf-8"?>
+<file path=ppt/slides/slide18.xml><?xml version="1.0" encoding="utf-8"?>
 <p:sld xmlns:a="http://schemas.openxmlformats.org/drawingml/2006/main" xmlns:r="http://schemas.openxmlformats.org/officeDocument/2006/relationships" xmlns:p="http://schemas.openxmlformats.org/presentationml/2006/main">
   <p:cSld>
     <p:spTree>
@@ -3919,7 +4007,7 @@
         <p:cNvPr id="1" name="">
           <a:extLst>
             <a:ext uri="{FF2B5EF4-FFF2-40B4-BE49-F238E27FC236}">
-              <a16:creationId xmlns:a16="http://schemas.microsoft.com/office/drawing/2014/main" id="{050DD714-A020-7F95-3388-533703312C3A}"/>
+              <a16:creationId xmlns:a16="http://schemas.microsoft.com/office/drawing/2014/main" id="{DBF485F0-301E-C0C4-FA9C-735545F6DBA7}"/>
             </a:ext>
           </a:extLst>
         </p:cNvPr>
@@ -3939,7 +4027,7 @@
           <p:cNvPr id="2" name="그림 1">
             <a:extLst>
               <a:ext uri="{FF2B5EF4-FFF2-40B4-BE49-F238E27FC236}">
-                <a16:creationId xmlns:a16="http://schemas.microsoft.com/office/drawing/2014/main" id="{FB1099AD-916F-AEA5-65EC-DD8F7C430236}"/>
+                <a16:creationId xmlns:a16="http://schemas.microsoft.com/office/drawing/2014/main" id="{99F40434-0BE5-6B77-2946-E8A7236F5A1A}"/>
               </a:ext>
             </a:extLst>
           </p:cNvPr>
@@ -3956,8 +4044,8 @@
         </p:blipFill>
         <p:spPr>
           <a:xfrm>
-            <a:off x="3671549" y="2314419"/>
-            <a:ext cx="4848902" cy="2229161"/>
+            <a:off x="1404283" y="1509444"/>
+            <a:ext cx="9383434" cy="3839111"/>
           </a:xfrm>
           <a:prstGeom prst="rect">
             <a:avLst/>
@@ -3967,7 +4055,7 @@
     </p:spTree>
     <p:extLst>
       <p:ext uri="{BB962C8B-B14F-4D97-AF65-F5344CB8AC3E}">
-        <p14:creationId xmlns:p14="http://schemas.microsoft.com/office/powerpoint/2010/main" val="1171679305"/>
+        <p14:creationId xmlns:p14="http://schemas.microsoft.com/office/powerpoint/2010/main" val="4186537687"/>
       </p:ext>
     </p:extLst>
   </p:cSld>
@@ -3977,7 +4065,7 @@
 </p:sld>
 </file>
 
-<file path=ppt/slides/slide18.xml><?xml version="1.0" encoding="utf-8"?>
+<file path=ppt/slides/slide19.xml><?xml version="1.0" encoding="utf-8"?>
 <p:sld xmlns:a="http://schemas.openxmlformats.org/drawingml/2006/main" xmlns:r="http://schemas.openxmlformats.org/officeDocument/2006/relationships" xmlns:p="http://schemas.openxmlformats.org/presentationml/2006/main">
   <p:cSld>
     <p:spTree>
@@ -3985,7 +4073,7 @@
         <p:cNvPr id="1" name="">
           <a:extLst>
             <a:ext uri="{FF2B5EF4-FFF2-40B4-BE49-F238E27FC236}">
-              <a16:creationId xmlns:a16="http://schemas.microsoft.com/office/drawing/2014/main" id="{F0B22D33-4394-7194-9164-F8720E4A33A3}"/>
+              <a16:creationId xmlns:a16="http://schemas.microsoft.com/office/drawing/2014/main" id="{C03776DB-70F1-438B-AEF6-C151C92CC0B5}"/>
             </a:ext>
           </a:extLst>
         </p:cNvPr>
@@ -4005,7 +4093,7 @@
           <p:cNvPr id="2" name="그림 1">
             <a:extLst>
               <a:ext uri="{FF2B5EF4-FFF2-40B4-BE49-F238E27FC236}">
-                <a16:creationId xmlns:a16="http://schemas.microsoft.com/office/drawing/2014/main" id="{E8470CCF-A5DC-F270-3A7A-1336E90C9DFE}"/>
+                <a16:creationId xmlns:a16="http://schemas.microsoft.com/office/drawing/2014/main" id="{AA3BF794-0829-CD51-074B-8661AB923A94}"/>
               </a:ext>
             </a:extLst>
           </p:cNvPr>
@@ -4022,8 +4110,8 @@
         </p:blipFill>
         <p:spPr>
           <a:xfrm>
-            <a:off x="3642970" y="2743104"/>
-            <a:ext cx="4906060" cy="1371791"/>
+            <a:off x="1409046" y="1447523"/>
+            <a:ext cx="9373908" cy="3962953"/>
           </a:xfrm>
           <a:prstGeom prst="rect">
             <a:avLst/>
@@ -4033,73 +4121,7 @@
     </p:spTree>
     <p:extLst>
       <p:ext uri="{BB962C8B-B14F-4D97-AF65-F5344CB8AC3E}">
-        <p14:creationId xmlns:p14="http://schemas.microsoft.com/office/powerpoint/2010/main" val="1125833843"/>
-      </p:ext>
-    </p:extLst>
-  </p:cSld>
-  <p:clrMapOvr>
-    <a:masterClrMapping/>
-  </p:clrMapOvr>
-</p:sld>
-</file>
-
-<file path=ppt/slides/slide19.xml><?xml version="1.0" encoding="utf-8"?>
-<p:sld xmlns:a="http://schemas.openxmlformats.org/drawingml/2006/main" xmlns:r="http://schemas.openxmlformats.org/officeDocument/2006/relationships" xmlns:p="http://schemas.openxmlformats.org/presentationml/2006/main">
-  <p:cSld>
-    <p:spTree>
-      <p:nvGrpSpPr>
-        <p:cNvPr id="1" name="">
-          <a:extLst>
-            <a:ext uri="{FF2B5EF4-FFF2-40B4-BE49-F238E27FC236}">
-              <a16:creationId xmlns:a16="http://schemas.microsoft.com/office/drawing/2014/main" id="{A7445392-2E23-7609-0E20-837D3C2ADB75}"/>
-            </a:ext>
-          </a:extLst>
-        </p:cNvPr>
-        <p:cNvGrpSpPr/>
-        <p:nvPr/>
-      </p:nvGrpSpPr>
-      <p:grpSpPr>
-        <a:xfrm>
-          <a:off x="0" y="0"/>
-          <a:ext cx="0" cy="0"/>
-          <a:chOff x="0" y="0"/>
-          <a:chExt cx="0" cy="0"/>
-        </a:xfrm>
-      </p:grpSpPr>
-      <p:pic>
-        <p:nvPicPr>
-          <p:cNvPr id="2" name="그림 1">
-            <a:extLst>
-              <a:ext uri="{FF2B5EF4-FFF2-40B4-BE49-F238E27FC236}">
-                <a16:creationId xmlns:a16="http://schemas.microsoft.com/office/drawing/2014/main" id="{E669496B-528D-946A-2122-30A6D34A8B39}"/>
-              </a:ext>
-            </a:extLst>
-          </p:cNvPr>
-          <p:cNvPicPr>
-            <a:picLocks noChangeAspect="1"/>
-          </p:cNvPicPr>
-          <p:nvPr/>
-        </p:nvPicPr>
-        <p:blipFill>
-          <a:blip r:embed="rId2"/>
-          <a:stretch>
-            <a:fillRect/>
-          </a:stretch>
-        </p:blipFill>
-        <p:spPr>
-          <a:xfrm>
-            <a:off x="3666786" y="2028629"/>
-            <a:ext cx="4858428" cy="2800741"/>
-          </a:xfrm>
-          <a:prstGeom prst="rect">
-            <a:avLst/>
-          </a:prstGeom>
-        </p:spPr>
-      </p:pic>
-    </p:spTree>
-    <p:extLst>
-      <p:ext uri="{BB962C8B-B14F-4D97-AF65-F5344CB8AC3E}">
-        <p14:creationId xmlns:p14="http://schemas.microsoft.com/office/powerpoint/2010/main" val="2724285855"/>
+        <p14:creationId xmlns:p14="http://schemas.microsoft.com/office/powerpoint/2010/main" val="2083895710"/>
       </p:ext>
     </p:extLst>
   </p:cSld>
@@ -4166,138 +4188,6 @@
     <p:extLst>
       <p:ext uri="{BB962C8B-B14F-4D97-AF65-F5344CB8AC3E}">
         <p14:creationId xmlns:p14="http://schemas.microsoft.com/office/powerpoint/2010/main" val="1335785668"/>
-      </p:ext>
-    </p:extLst>
-  </p:cSld>
-  <p:clrMapOvr>
-    <a:masterClrMapping/>
-  </p:clrMapOvr>
-</p:sld>
-</file>
-
-<file path=ppt/slides/slide20.xml><?xml version="1.0" encoding="utf-8"?>
-<p:sld xmlns:a="http://schemas.openxmlformats.org/drawingml/2006/main" xmlns:r="http://schemas.openxmlformats.org/officeDocument/2006/relationships" xmlns:p="http://schemas.openxmlformats.org/presentationml/2006/main">
-  <p:cSld>
-    <p:spTree>
-      <p:nvGrpSpPr>
-        <p:cNvPr id="1" name="">
-          <a:extLst>
-            <a:ext uri="{FF2B5EF4-FFF2-40B4-BE49-F238E27FC236}">
-              <a16:creationId xmlns:a16="http://schemas.microsoft.com/office/drawing/2014/main" id="{EB4F5EAD-C0C9-A000-C284-A114C97676B6}"/>
-            </a:ext>
-          </a:extLst>
-        </p:cNvPr>
-        <p:cNvGrpSpPr/>
-        <p:nvPr/>
-      </p:nvGrpSpPr>
-      <p:grpSpPr>
-        <a:xfrm>
-          <a:off x="0" y="0"/>
-          <a:ext cx="0" cy="0"/>
-          <a:chOff x="0" y="0"/>
-          <a:chExt cx="0" cy="0"/>
-        </a:xfrm>
-      </p:grpSpPr>
-      <p:pic>
-        <p:nvPicPr>
-          <p:cNvPr id="2" name="그림 1">
-            <a:extLst>
-              <a:ext uri="{FF2B5EF4-FFF2-40B4-BE49-F238E27FC236}">
-                <a16:creationId xmlns:a16="http://schemas.microsoft.com/office/drawing/2014/main" id="{0A2AB61E-6EC4-6E85-A929-9725D0FA2DC0}"/>
-              </a:ext>
-            </a:extLst>
-          </p:cNvPr>
-          <p:cNvPicPr>
-            <a:picLocks noChangeAspect="1"/>
-          </p:cNvPicPr>
-          <p:nvPr/>
-        </p:nvPicPr>
-        <p:blipFill>
-          <a:blip r:embed="rId2"/>
-          <a:stretch>
-            <a:fillRect/>
-          </a:stretch>
-        </p:blipFill>
-        <p:spPr>
-          <a:xfrm>
-            <a:off x="3723944" y="1833340"/>
-            <a:ext cx="4744112" cy="3191320"/>
-          </a:xfrm>
-          <a:prstGeom prst="rect">
-            <a:avLst/>
-          </a:prstGeom>
-        </p:spPr>
-      </p:pic>
-    </p:spTree>
-    <p:extLst>
-      <p:ext uri="{BB962C8B-B14F-4D97-AF65-F5344CB8AC3E}">
-        <p14:creationId xmlns:p14="http://schemas.microsoft.com/office/powerpoint/2010/main" val="2421702440"/>
-      </p:ext>
-    </p:extLst>
-  </p:cSld>
-  <p:clrMapOvr>
-    <a:masterClrMapping/>
-  </p:clrMapOvr>
-</p:sld>
-</file>
-
-<file path=ppt/slides/slide21.xml><?xml version="1.0" encoding="utf-8"?>
-<p:sld xmlns:a="http://schemas.openxmlformats.org/drawingml/2006/main" xmlns:r="http://schemas.openxmlformats.org/officeDocument/2006/relationships" xmlns:p="http://schemas.openxmlformats.org/presentationml/2006/main">
-  <p:cSld>
-    <p:spTree>
-      <p:nvGrpSpPr>
-        <p:cNvPr id="1" name="">
-          <a:extLst>
-            <a:ext uri="{FF2B5EF4-FFF2-40B4-BE49-F238E27FC236}">
-              <a16:creationId xmlns:a16="http://schemas.microsoft.com/office/drawing/2014/main" id="{42199F8B-CFDC-DE26-C2B6-F72673EF2608}"/>
-            </a:ext>
-          </a:extLst>
-        </p:cNvPr>
-        <p:cNvGrpSpPr/>
-        <p:nvPr/>
-      </p:nvGrpSpPr>
-      <p:grpSpPr>
-        <a:xfrm>
-          <a:off x="0" y="0"/>
-          <a:ext cx="0" cy="0"/>
-          <a:chOff x="0" y="0"/>
-          <a:chExt cx="0" cy="0"/>
-        </a:xfrm>
-      </p:grpSpPr>
-      <p:pic>
-        <p:nvPicPr>
-          <p:cNvPr id="2" name="그림 1">
-            <a:extLst>
-              <a:ext uri="{FF2B5EF4-FFF2-40B4-BE49-F238E27FC236}">
-                <a16:creationId xmlns:a16="http://schemas.microsoft.com/office/drawing/2014/main" id="{1BC16E91-47AA-383E-542C-69C16F0A4B22}"/>
-              </a:ext>
-            </a:extLst>
-          </p:cNvPr>
-          <p:cNvPicPr>
-            <a:picLocks noChangeAspect="1"/>
-          </p:cNvPicPr>
-          <p:nvPr/>
-        </p:nvPicPr>
-        <p:blipFill>
-          <a:blip r:embed="rId2"/>
-          <a:stretch>
-            <a:fillRect/>
-          </a:stretch>
-        </p:blipFill>
-        <p:spPr>
-          <a:xfrm>
-            <a:off x="3728707" y="2342998"/>
-            <a:ext cx="4734586" cy="2172003"/>
-          </a:xfrm>
-          <a:prstGeom prst="rect">
-            <a:avLst/>
-          </a:prstGeom>
-        </p:spPr>
-      </p:pic>
-    </p:spTree>
-    <p:extLst>
-      <p:ext uri="{BB962C8B-B14F-4D97-AF65-F5344CB8AC3E}">
-        <p14:creationId xmlns:p14="http://schemas.microsoft.com/office/powerpoint/2010/main" val="1135067623"/>
       </p:ext>
     </p:extLst>
   </p:cSld>
